--- a/Assignment2/LOGO/logo_editable.pptx
+++ b/Assignment2/LOGO/logo_editable.pptx
@@ -6,6 +6,8 @@
   </p:sldMasterIdLst>
   <p:sldIdLst>
     <p:sldId id="256" r:id="rId2"/>
+    <p:sldId id="257" r:id="rId3"/>
+    <p:sldId id="258" r:id="rId4"/>
   </p:sldIdLst>
   <p:sldSz cx="12192000" cy="6858000"/>
   <p:notesSz cx="6858000" cy="9144000"/>
@@ -104,6 +106,11 @@
       </a:defRPr>
     </a:lvl9pPr>
   </p:defaultTextStyle>
+  <p:extLst>
+    <p:ext uri="{EFAFB233-063F-42B5-8137-9DF3F51BA10A}">
+      <p15:sldGuideLst xmlns:p15="http://schemas.microsoft.com/office/powerpoint/2012/main"/>
+    </p:ext>
+  </p:extLst>
 </p:presentation>
 </file>
 
@@ -3754,6 +3761,1242 @@
 </p:sld>
 </file>
 
+<file path=ppt/slides/slide2.xml><?xml version="1.0" encoding="utf-8"?>
+<p:sld xmlns:a="http://schemas.openxmlformats.org/drawingml/2006/main" xmlns:r="http://schemas.openxmlformats.org/officeDocument/2006/relationships" xmlns:p="http://schemas.openxmlformats.org/presentationml/2006/main">
+  <p:cSld>
+    <p:spTree>
+      <p:nvGrpSpPr>
+        <p:cNvPr id="1" name=""/>
+        <p:cNvGrpSpPr/>
+        <p:nvPr/>
+      </p:nvGrpSpPr>
+      <p:grpSpPr>
+        <a:xfrm>
+          <a:off x="0" y="0"/>
+          <a:ext cx="0" cy="0"/>
+          <a:chOff x="0" y="0"/>
+          <a:chExt cx="0" cy="0"/>
+        </a:xfrm>
+      </p:grpSpPr>
+      <p:pic>
+        <p:nvPicPr>
+          <p:cNvPr id="5" name="תמונה 4">
+            <a:extLst>
+              <a:ext uri="{FF2B5EF4-FFF2-40B4-BE49-F238E27FC236}">
+                <a16:creationId xmlns:a16="http://schemas.microsoft.com/office/drawing/2014/main" id="{93F4693B-57CB-433F-B61E-58F6C6530E0E}"/>
+              </a:ext>
+            </a:extLst>
+          </p:cNvPr>
+          <p:cNvPicPr>
+            <a:picLocks noChangeAspect="1"/>
+          </p:cNvPicPr>
+          <p:nvPr/>
+        </p:nvPicPr>
+        <p:blipFill>
+          <a:blip r:embed="rId2"/>
+          <a:stretch>
+            <a:fillRect/>
+          </a:stretch>
+        </p:blipFill>
+        <p:spPr>
+          <a:xfrm>
+            <a:off x="3349180" y="-127826"/>
+            <a:ext cx="5286375" cy="6772275"/>
+          </a:xfrm>
+          <a:prstGeom prst="rect">
+            <a:avLst/>
+          </a:prstGeom>
+        </p:spPr>
+      </p:pic>
+      <p:grpSp>
+        <p:nvGrpSpPr>
+          <p:cNvPr id="55" name="קבוצה 54">
+            <a:extLst>
+              <a:ext uri="{FF2B5EF4-FFF2-40B4-BE49-F238E27FC236}">
+                <a16:creationId xmlns:a16="http://schemas.microsoft.com/office/drawing/2014/main" id="{E669E5B8-B081-4854-BF51-F334E125F064}"/>
+              </a:ext>
+            </a:extLst>
+          </p:cNvPr>
+          <p:cNvGrpSpPr/>
+          <p:nvPr/>
+        </p:nvGrpSpPr>
+        <p:grpSpPr>
+          <a:xfrm>
+            <a:off x="4136976" y="906780"/>
+            <a:ext cx="3538103" cy="4008120"/>
+            <a:chOff x="4121736" y="960120"/>
+            <a:chExt cx="3538103" cy="4008120"/>
+          </a:xfrm>
+          <a:solidFill>
+            <a:srgbClr val="2E8B57"/>
+          </a:solidFill>
+        </p:grpSpPr>
+        <p:sp>
+          <p:nvSpPr>
+            <p:cNvPr id="2" name="אליפסה 1">
+              <a:extLst>
+                <a:ext uri="{FF2B5EF4-FFF2-40B4-BE49-F238E27FC236}">
+                  <a16:creationId xmlns:a16="http://schemas.microsoft.com/office/drawing/2014/main" id="{D3373DB8-2D76-4DCF-BF54-03A945FEDF5B}"/>
+                </a:ext>
+              </a:extLst>
+            </p:cNvPr>
+            <p:cNvSpPr/>
+            <p:nvPr/>
+          </p:nvSpPr>
+          <p:spPr>
+            <a:xfrm>
+              <a:off x="4800600" y="960120"/>
+              <a:ext cx="2164080" cy="2194560"/>
+            </a:xfrm>
+            <a:prstGeom prst="ellipse">
+              <a:avLst/>
+            </a:prstGeom>
+            <a:grpFill/>
+            <a:ln w="203200">
+              <a:solidFill>
+                <a:schemeClr val="tx1"/>
+              </a:solidFill>
+            </a:ln>
+          </p:spPr>
+          <p:style>
+            <a:lnRef idx="2">
+              <a:schemeClr val="accent1">
+                <a:shade val="50000"/>
+              </a:schemeClr>
+            </a:lnRef>
+            <a:fillRef idx="1">
+              <a:schemeClr val="accent1"/>
+            </a:fillRef>
+            <a:effectRef idx="0">
+              <a:schemeClr val="accent1"/>
+            </a:effectRef>
+            <a:fontRef idx="minor">
+              <a:schemeClr val="lt1"/>
+            </a:fontRef>
+          </p:style>
+          <p:txBody>
+            <a:bodyPr rtlCol="0" anchor="ctr"/>
+            <a:lstStyle/>
+            <a:p>
+              <a:pPr algn="ctr"/>
+              <a:endParaRPr lang="en-US"/>
+            </a:p>
+          </p:txBody>
+        </p:sp>
+        <p:sp>
+          <p:nvSpPr>
+            <p:cNvPr id="38" name="אליפסה 37">
+              <a:extLst>
+                <a:ext uri="{FF2B5EF4-FFF2-40B4-BE49-F238E27FC236}">
+                  <a16:creationId xmlns:a16="http://schemas.microsoft.com/office/drawing/2014/main" id="{42F561D5-0E14-4FED-A83A-E240A08242E7}"/>
+                </a:ext>
+              </a:extLst>
+            </p:cNvPr>
+            <p:cNvSpPr/>
+            <p:nvPr/>
+          </p:nvSpPr>
+          <p:spPr>
+            <a:xfrm>
+              <a:off x="6269520" y="2261754"/>
+              <a:ext cx="1390319" cy="1441567"/>
+            </a:xfrm>
+            <a:prstGeom prst="ellipse">
+              <a:avLst/>
+            </a:prstGeom>
+            <a:grpFill/>
+            <a:ln w="203200">
+              <a:solidFill>
+                <a:schemeClr val="tx1"/>
+              </a:solidFill>
+            </a:ln>
+          </p:spPr>
+          <p:style>
+            <a:lnRef idx="2">
+              <a:schemeClr val="accent1">
+                <a:shade val="50000"/>
+              </a:schemeClr>
+            </a:lnRef>
+            <a:fillRef idx="1">
+              <a:schemeClr val="accent1"/>
+            </a:fillRef>
+            <a:effectRef idx="0">
+              <a:schemeClr val="accent1"/>
+            </a:effectRef>
+            <a:fontRef idx="minor">
+              <a:schemeClr val="lt1"/>
+            </a:fontRef>
+          </p:style>
+          <p:txBody>
+            <a:bodyPr rtlCol="0" anchor="ctr"/>
+            <a:lstStyle/>
+            <a:p>
+              <a:pPr algn="ctr"/>
+              <a:endParaRPr lang="en-US" dirty="0"/>
+            </a:p>
+          </p:txBody>
+        </p:sp>
+        <p:sp>
+          <p:nvSpPr>
+            <p:cNvPr id="39" name="אליפסה 38">
+              <a:extLst>
+                <a:ext uri="{FF2B5EF4-FFF2-40B4-BE49-F238E27FC236}">
+                  <a16:creationId xmlns:a16="http://schemas.microsoft.com/office/drawing/2014/main" id="{20D28129-DEEA-4CBB-BEF0-9DA3EA8D1C4E}"/>
+                </a:ext>
+              </a:extLst>
+            </p:cNvPr>
+            <p:cNvSpPr/>
+            <p:nvPr/>
+          </p:nvSpPr>
+          <p:spPr>
+            <a:xfrm>
+              <a:off x="4121736" y="2118360"/>
+              <a:ext cx="1075104" cy="1089660"/>
+            </a:xfrm>
+            <a:prstGeom prst="ellipse">
+              <a:avLst/>
+            </a:prstGeom>
+            <a:grpFill/>
+            <a:ln w="203200">
+              <a:solidFill>
+                <a:schemeClr val="tx1"/>
+              </a:solidFill>
+            </a:ln>
+          </p:spPr>
+          <p:style>
+            <a:lnRef idx="2">
+              <a:schemeClr val="accent1">
+                <a:shade val="50000"/>
+              </a:schemeClr>
+            </a:lnRef>
+            <a:fillRef idx="1">
+              <a:schemeClr val="accent1"/>
+            </a:fillRef>
+            <a:effectRef idx="0">
+              <a:schemeClr val="accent1"/>
+            </a:effectRef>
+            <a:fontRef idx="minor">
+              <a:schemeClr val="lt1"/>
+            </a:fontRef>
+          </p:style>
+          <p:txBody>
+            <a:bodyPr rtlCol="0" anchor="ctr"/>
+            <a:lstStyle/>
+            <a:p>
+              <a:pPr algn="ctr"/>
+              <a:endParaRPr lang="en-US"/>
+            </a:p>
+          </p:txBody>
+        </p:sp>
+        <p:cxnSp>
+          <p:nvCxnSpPr>
+            <p:cNvPr id="40" name="מחבר ישר 39">
+              <a:extLst>
+                <a:ext uri="{FF2B5EF4-FFF2-40B4-BE49-F238E27FC236}">
+                  <a16:creationId xmlns:a16="http://schemas.microsoft.com/office/drawing/2014/main" id="{D2C7EA60-41B6-4A36-8E7E-7FEA4975CC88}"/>
+                </a:ext>
+              </a:extLst>
+            </p:cNvPr>
+            <p:cNvCxnSpPr>
+              <a:cxnSpLocks/>
+              <a:endCxn id="2" idx="4"/>
+            </p:cNvCxnSpPr>
+            <p:nvPr/>
+          </p:nvCxnSpPr>
+          <p:spPr>
+            <a:xfrm flipH="1" flipV="1">
+              <a:off x="5882640" y="3154680"/>
+              <a:ext cx="15240" cy="1813560"/>
+            </a:xfrm>
+            <a:prstGeom prst="line">
+              <a:avLst/>
+            </a:prstGeom>
+            <a:grpFill/>
+            <a:ln w="203200">
+              <a:solidFill>
+                <a:schemeClr val="tx1"/>
+              </a:solidFill>
+            </a:ln>
+          </p:spPr>
+          <p:style>
+            <a:lnRef idx="1">
+              <a:schemeClr val="accent1"/>
+            </a:lnRef>
+            <a:fillRef idx="0">
+              <a:schemeClr val="accent1"/>
+            </a:fillRef>
+            <a:effectRef idx="0">
+              <a:schemeClr val="accent1"/>
+            </a:effectRef>
+            <a:fontRef idx="minor">
+              <a:schemeClr val="tx1"/>
+            </a:fontRef>
+          </p:style>
+        </p:cxnSp>
+        <p:cxnSp>
+          <p:nvCxnSpPr>
+            <p:cNvPr id="42" name="מחבר ישר 41">
+              <a:extLst>
+                <a:ext uri="{FF2B5EF4-FFF2-40B4-BE49-F238E27FC236}">
+                  <a16:creationId xmlns:a16="http://schemas.microsoft.com/office/drawing/2014/main" id="{1D7EB752-FE8F-4C05-998F-2AA263C36F09}"/>
+                </a:ext>
+              </a:extLst>
+            </p:cNvPr>
+            <p:cNvCxnSpPr>
+              <a:cxnSpLocks/>
+              <a:endCxn id="38" idx="3"/>
+            </p:cNvCxnSpPr>
+            <p:nvPr/>
+          </p:nvCxnSpPr>
+          <p:spPr>
+            <a:xfrm flipV="1">
+              <a:off x="5890260" y="3492208"/>
+              <a:ext cx="582868" cy="548641"/>
+            </a:xfrm>
+            <a:prstGeom prst="line">
+              <a:avLst/>
+            </a:prstGeom>
+            <a:grpFill/>
+            <a:ln w="203200">
+              <a:solidFill>
+                <a:schemeClr val="tx1"/>
+              </a:solidFill>
+            </a:ln>
+          </p:spPr>
+          <p:style>
+            <a:lnRef idx="1">
+              <a:schemeClr val="accent1"/>
+            </a:lnRef>
+            <a:fillRef idx="0">
+              <a:schemeClr val="accent1"/>
+            </a:fillRef>
+            <a:effectRef idx="0">
+              <a:schemeClr val="accent1"/>
+            </a:effectRef>
+            <a:fontRef idx="minor">
+              <a:schemeClr val="tx1"/>
+            </a:fontRef>
+          </p:style>
+        </p:cxnSp>
+        <p:cxnSp>
+          <p:nvCxnSpPr>
+            <p:cNvPr id="45" name="מחבר ישר 44">
+              <a:extLst>
+                <a:ext uri="{FF2B5EF4-FFF2-40B4-BE49-F238E27FC236}">
+                  <a16:creationId xmlns:a16="http://schemas.microsoft.com/office/drawing/2014/main" id="{3030C23E-4A80-4E79-A92B-234EBD6EF0FE}"/>
+                </a:ext>
+              </a:extLst>
+            </p:cNvPr>
+            <p:cNvCxnSpPr>
+              <a:cxnSpLocks/>
+            </p:cNvCxnSpPr>
+            <p:nvPr/>
+          </p:nvCxnSpPr>
+          <p:spPr>
+            <a:xfrm>
+              <a:off x="5446427" y="3580909"/>
+              <a:ext cx="443833" cy="1"/>
+            </a:xfrm>
+            <a:prstGeom prst="line">
+              <a:avLst/>
+            </a:prstGeom>
+            <a:grpFill/>
+            <a:ln w="203200">
+              <a:solidFill>
+                <a:schemeClr val="tx1"/>
+              </a:solidFill>
+            </a:ln>
+          </p:spPr>
+          <p:style>
+            <a:lnRef idx="1">
+              <a:schemeClr val="accent1"/>
+            </a:lnRef>
+            <a:fillRef idx="0">
+              <a:schemeClr val="accent1"/>
+            </a:fillRef>
+            <a:effectRef idx="0">
+              <a:schemeClr val="accent1"/>
+            </a:effectRef>
+            <a:fontRef idx="minor">
+              <a:schemeClr val="tx1"/>
+            </a:fontRef>
+          </p:style>
+        </p:cxnSp>
+        <p:cxnSp>
+          <p:nvCxnSpPr>
+            <p:cNvPr id="48" name="מחבר ישר 47">
+              <a:extLst>
+                <a:ext uri="{FF2B5EF4-FFF2-40B4-BE49-F238E27FC236}">
+                  <a16:creationId xmlns:a16="http://schemas.microsoft.com/office/drawing/2014/main" id="{9207E391-35F4-4713-B756-0B79CF98C4A9}"/>
+                </a:ext>
+              </a:extLst>
+            </p:cNvPr>
+            <p:cNvCxnSpPr>
+              <a:cxnSpLocks/>
+            </p:cNvCxnSpPr>
+            <p:nvPr/>
+          </p:nvCxnSpPr>
+          <p:spPr>
+            <a:xfrm flipH="1" flipV="1">
+              <a:off x="4708157" y="2809335"/>
+              <a:ext cx="810463" cy="800640"/>
+            </a:xfrm>
+            <a:prstGeom prst="line">
+              <a:avLst/>
+            </a:prstGeom>
+            <a:grpFill/>
+            <a:ln w="203200">
+              <a:solidFill>
+                <a:schemeClr val="tx1"/>
+              </a:solidFill>
+            </a:ln>
+          </p:spPr>
+          <p:style>
+            <a:lnRef idx="1">
+              <a:schemeClr val="accent1"/>
+            </a:lnRef>
+            <a:fillRef idx="0">
+              <a:schemeClr val="accent1"/>
+            </a:fillRef>
+            <a:effectRef idx="0">
+              <a:schemeClr val="accent1"/>
+            </a:effectRef>
+            <a:fontRef idx="minor">
+              <a:schemeClr val="tx1"/>
+            </a:fontRef>
+          </p:style>
+        </p:cxnSp>
+      </p:grpSp>
+    </p:spTree>
+    <p:extLst>
+      <p:ext uri="{BB962C8B-B14F-4D97-AF65-F5344CB8AC3E}">
+        <p14:creationId xmlns:p14="http://schemas.microsoft.com/office/powerpoint/2010/main" val="2242010069"/>
+      </p:ext>
+    </p:extLst>
+  </p:cSld>
+  <p:clrMapOvr>
+    <a:masterClrMapping/>
+  </p:clrMapOvr>
+</p:sld>
+</file>
+
+<file path=ppt/slides/slide3.xml><?xml version="1.0" encoding="utf-8"?>
+<p:sld xmlns:a="http://schemas.openxmlformats.org/drawingml/2006/main" xmlns:r="http://schemas.openxmlformats.org/officeDocument/2006/relationships" xmlns:p="http://schemas.openxmlformats.org/presentationml/2006/main">
+  <p:cSld>
+    <p:spTree>
+      <p:nvGrpSpPr>
+        <p:cNvPr id="1" name=""/>
+        <p:cNvGrpSpPr/>
+        <p:nvPr/>
+      </p:nvGrpSpPr>
+      <p:grpSpPr>
+        <a:xfrm>
+          <a:off x="0" y="0"/>
+          <a:ext cx="0" cy="0"/>
+          <a:chOff x="0" y="0"/>
+          <a:chExt cx="0" cy="0"/>
+        </a:xfrm>
+      </p:grpSpPr>
+      <p:pic>
+        <p:nvPicPr>
+          <p:cNvPr id="5" name="תמונה 4">
+            <a:extLst>
+              <a:ext uri="{FF2B5EF4-FFF2-40B4-BE49-F238E27FC236}">
+                <a16:creationId xmlns:a16="http://schemas.microsoft.com/office/drawing/2014/main" id="{93F4693B-57CB-433F-B61E-58F6C6530E0E}"/>
+              </a:ext>
+            </a:extLst>
+          </p:cNvPr>
+          <p:cNvPicPr>
+            <a:picLocks noChangeAspect="1"/>
+          </p:cNvPicPr>
+          <p:nvPr/>
+        </p:nvPicPr>
+        <p:blipFill>
+          <a:blip r:embed="rId2"/>
+          <a:stretch>
+            <a:fillRect/>
+          </a:stretch>
+        </p:blipFill>
+        <p:spPr>
+          <a:xfrm>
+            <a:off x="3349180" y="-127826"/>
+            <a:ext cx="5286375" cy="6772275"/>
+          </a:xfrm>
+          <a:prstGeom prst="rect">
+            <a:avLst/>
+          </a:prstGeom>
+        </p:spPr>
+      </p:pic>
+      <p:grpSp>
+        <p:nvGrpSpPr>
+          <p:cNvPr id="55" name="קבוצה 54">
+            <a:extLst>
+              <a:ext uri="{FF2B5EF4-FFF2-40B4-BE49-F238E27FC236}">
+                <a16:creationId xmlns:a16="http://schemas.microsoft.com/office/drawing/2014/main" id="{E669E5B8-B081-4854-BF51-F334E125F064}"/>
+              </a:ext>
+            </a:extLst>
+          </p:cNvPr>
+          <p:cNvGrpSpPr/>
+          <p:nvPr/>
+        </p:nvGrpSpPr>
+        <p:grpSpPr>
+          <a:xfrm>
+            <a:off x="4136976" y="906780"/>
+            <a:ext cx="3538103" cy="4008120"/>
+            <a:chOff x="4121736" y="960120"/>
+            <a:chExt cx="3538103" cy="4008120"/>
+          </a:xfrm>
+          <a:solidFill>
+            <a:srgbClr val="2E8B57"/>
+          </a:solidFill>
+        </p:grpSpPr>
+        <p:sp>
+          <p:nvSpPr>
+            <p:cNvPr id="2" name="אליפסה 1">
+              <a:extLst>
+                <a:ext uri="{FF2B5EF4-FFF2-40B4-BE49-F238E27FC236}">
+                  <a16:creationId xmlns:a16="http://schemas.microsoft.com/office/drawing/2014/main" id="{D3373DB8-2D76-4DCF-BF54-03A945FEDF5B}"/>
+                </a:ext>
+              </a:extLst>
+            </p:cNvPr>
+            <p:cNvSpPr/>
+            <p:nvPr/>
+          </p:nvSpPr>
+          <p:spPr>
+            <a:xfrm>
+              <a:off x="4800600" y="960120"/>
+              <a:ext cx="2164080" cy="2194560"/>
+            </a:xfrm>
+            <a:prstGeom prst="ellipse">
+              <a:avLst/>
+            </a:prstGeom>
+            <a:grpFill/>
+            <a:ln w="203200">
+              <a:solidFill>
+                <a:schemeClr val="tx1"/>
+              </a:solidFill>
+            </a:ln>
+          </p:spPr>
+          <p:style>
+            <a:lnRef idx="2">
+              <a:schemeClr val="accent1">
+                <a:shade val="50000"/>
+              </a:schemeClr>
+            </a:lnRef>
+            <a:fillRef idx="1">
+              <a:schemeClr val="accent1"/>
+            </a:fillRef>
+            <a:effectRef idx="0">
+              <a:schemeClr val="accent1"/>
+            </a:effectRef>
+            <a:fontRef idx="minor">
+              <a:schemeClr val="lt1"/>
+            </a:fontRef>
+          </p:style>
+          <p:txBody>
+            <a:bodyPr rtlCol="0" anchor="ctr"/>
+            <a:lstStyle/>
+            <a:p>
+              <a:pPr algn="ctr"/>
+              <a:endParaRPr lang="en-US"/>
+            </a:p>
+          </p:txBody>
+        </p:sp>
+        <p:sp>
+          <p:nvSpPr>
+            <p:cNvPr id="38" name="אליפסה 37">
+              <a:extLst>
+                <a:ext uri="{FF2B5EF4-FFF2-40B4-BE49-F238E27FC236}">
+                  <a16:creationId xmlns:a16="http://schemas.microsoft.com/office/drawing/2014/main" id="{42F561D5-0E14-4FED-A83A-E240A08242E7}"/>
+                </a:ext>
+              </a:extLst>
+            </p:cNvPr>
+            <p:cNvSpPr/>
+            <p:nvPr/>
+          </p:nvSpPr>
+          <p:spPr>
+            <a:xfrm>
+              <a:off x="6269520" y="2261754"/>
+              <a:ext cx="1390319" cy="1441567"/>
+            </a:xfrm>
+            <a:prstGeom prst="ellipse">
+              <a:avLst/>
+            </a:prstGeom>
+            <a:grpFill/>
+            <a:ln w="203200">
+              <a:solidFill>
+                <a:schemeClr val="tx1"/>
+              </a:solidFill>
+            </a:ln>
+          </p:spPr>
+          <p:style>
+            <a:lnRef idx="2">
+              <a:schemeClr val="accent1">
+                <a:shade val="50000"/>
+              </a:schemeClr>
+            </a:lnRef>
+            <a:fillRef idx="1">
+              <a:schemeClr val="accent1"/>
+            </a:fillRef>
+            <a:effectRef idx="0">
+              <a:schemeClr val="accent1"/>
+            </a:effectRef>
+            <a:fontRef idx="minor">
+              <a:schemeClr val="lt1"/>
+            </a:fontRef>
+          </p:style>
+          <p:txBody>
+            <a:bodyPr rtlCol="0" anchor="ctr"/>
+            <a:lstStyle/>
+            <a:p>
+              <a:pPr algn="ctr"/>
+              <a:endParaRPr lang="en-US" dirty="0"/>
+            </a:p>
+          </p:txBody>
+        </p:sp>
+        <p:sp>
+          <p:nvSpPr>
+            <p:cNvPr id="39" name="אליפסה 38">
+              <a:extLst>
+                <a:ext uri="{FF2B5EF4-FFF2-40B4-BE49-F238E27FC236}">
+                  <a16:creationId xmlns:a16="http://schemas.microsoft.com/office/drawing/2014/main" id="{20D28129-DEEA-4CBB-BEF0-9DA3EA8D1C4E}"/>
+                </a:ext>
+              </a:extLst>
+            </p:cNvPr>
+            <p:cNvSpPr/>
+            <p:nvPr/>
+          </p:nvSpPr>
+          <p:spPr>
+            <a:xfrm>
+              <a:off x="4121736" y="2118360"/>
+              <a:ext cx="1075104" cy="1089660"/>
+            </a:xfrm>
+            <a:prstGeom prst="ellipse">
+              <a:avLst/>
+            </a:prstGeom>
+            <a:grpFill/>
+            <a:ln w="203200">
+              <a:solidFill>
+                <a:schemeClr val="tx1"/>
+              </a:solidFill>
+            </a:ln>
+          </p:spPr>
+          <p:style>
+            <a:lnRef idx="2">
+              <a:schemeClr val="accent1">
+                <a:shade val="50000"/>
+              </a:schemeClr>
+            </a:lnRef>
+            <a:fillRef idx="1">
+              <a:schemeClr val="accent1"/>
+            </a:fillRef>
+            <a:effectRef idx="0">
+              <a:schemeClr val="accent1"/>
+            </a:effectRef>
+            <a:fontRef idx="minor">
+              <a:schemeClr val="lt1"/>
+            </a:fontRef>
+          </p:style>
+          <p:txBody>
+            <a:bodyPr rtlCol="0" anchor="ctr"/>
+            <a:lstStyle/>
+            <a:p>
+              <a:pPr algn="ctr"/>
+              <a:endParaRPr lang="en-US"/>
+            </a:p>
+          </p:txBody>
+        </p:sp>
+        <p:cxnSp>
+          <p:nvCxnSpPr>
+            <p:cNvPr id="40" name="מחבר ישר 39">
+              <a:extLst>
+                <a:ext uri="{FF2B5EF4-FFF2-40B4-BE49-F238E27FC236}">
+                  <a16:creationId xmlns:a16="http://schemas.microsoft.com/office/drawing/2014/main" id="{D2C7EA60-41B6-4A36-8E7E-7FEA4975CC88}"/>
+                </a:ext>
+              </a:extLst>
+            </p:cNvPr>
+            <p:cNvCxnSpPr>
+              <a:cxnSpLocks/>
+              <a:endCxn id="2" idx="4"/>
+            </p:cNvCxnSpPr>
+            <p:nvPr/>
+          </p:nvCxnSpPr>
+          <p:spPr>
+            <a:xfrm flipH="1" flipV="1">
+              <a:off x="5882640" y="3154680"/>
+              <a:ext cx="15240" cy="1813560"/>
+            </a:xfrm>
+            <a:prstGeom prst="line">
+              <a:avLst/>
+            </a:prstGeom>
+            <a:grpFill/>
+            <a:ln w="203200">
+              <a:solidFill>
+                <a:schemeClr val="tx1"/>
+              </a:solidFill>
+            </a:ln>
+          </p:spPr>
+          <p:style>
+            <a:lnRef idx="1">
+              <a:schemeClr val="accent1"/>
+            </a:lnRef>
+            <a:fillRef idx="0">
+              <a:schemeClr val="accent1"/>
+            </a:fillRef>
+            <a:effectRef idx="0">
+              <a:schemeClr val="accent1"/>
+            </a:effectRef>
+            <a:fontRef idx="minor">
+              <a:schemeClr val="tx1"/>
+            </a:fontRef>
+          </p:style>
+        </p:cxnSp>
+        <p:cxnSp>
+          <p:nvCxnSpPr>
+            <p:cNvPr id="42" name="מחבר ישר 41">
+              <a:extLst>
+                <a:ext uri="{FF2B5EF4-FFF2-40B4-BE49-F238E27FC236}">
+                  <a16:creationId xmlns:a16="http://schemas.microsoft.com/office/drawing/2014/main" id="{1D7EB752-FE8F-4C05-998F-2AA263C36F09}"/>
+                </a:ext>
+              </a:extLst>
+            </p:cNvPr>
+            <p:cNvCxnSpPr>
+              <a:cxnSpLocks/>
+              <a:endCxn id="38" idx="3"/>
+            </p:cNvCxnSpPr>
+            <p:nvPr/>
+          </p:nvCxnSpPr>
+          <p:spPr>
+            <a:xfrm flipV="1">
+              <a:off x="5890260" y="3492208"/>
+              <a:ext cx="582868" cy="548641"/>
+            </a:xfrm>
+            <a:prstGeom prst="line">
+              <a:avLst/>
+            </a:prstGeom>
+            <a:grpFill/>
+            <a:ln w="203200">
+              <a:solidFill>
+                <a:schemeClr val="tx1"/>
+              </a:solidFill>
+            </a:ln>
+          </p:spPr>
+          <p:style>
+            <a:lnRef idx="1">
+              <a:schemeClr val="accent1"/>
+            </a:lnRef>
+            <a:fillRef idx="0">
+              <a:schemeClr val="accent1"/>
+            </a:fillRef>
+            <a:effectRef idx="0">
+              <a:schemeClr val="accent1"/>
+            </a:effectRef>
+            <a:fontRef idx="minor">
+              <a:schemeClr val="tx1"/>
+            </a:fontRef>
+          </p:style>
+        </p:cxnSp>
+        <p:cxnSp>
+          <p:nvCxnSpPr>
+            <p:cNvPr id="45" name="מחבר ישר 44">
+              <a:extLst>
+                <a:ext uri="{FF2B5EF4-FFF2-40B4-BE49-F238E27FC236}">
+                  <a16:creationId xmlns:a16="http://schemas.microsoft.com/office/drawing/2014/main" id="{3030C23E-4A80-4E79-A92B-234EBD6EF0FE}"/>
+                </a:ext>
+              </a:extLst>
+            </p:cNvPr>
+            <p:cNvCxnSpPr>
+              <a:cxnSpLocks/>
+            </p:cNvCxnSpPr>
+            <p:nvPr/>
+          </p:nvCxnSpPr>
+          <p:spPr>
+            <a:xfrm>
+              <a:off x="5446427" y="3580909"/>
+              <a:ext cx="443833" cy="1"/>
+            </a:xfrm>
+            <a:prstGeom prst="line">
+              <a:avLst/>
+            </a:prstGeom>
+            <a:grpFill/>
+            <a:ln w="203200">
+              <a:solidFill>
+                <a:schemeClr val="tx1"/>
+              </a:solidFill>
+            </a:ln>
+          </p:spPr>
+          <p:style>
+            <a:lnRef idx="1">
+              <a:schemeClr val="accent1"/>
+            </a:lnRef>
+            <a:fillRef idx="0">
+              <a:schemeClr val="accent1"/>
+            </a:fillRef>
+            <a:effectRef idx="0">
+              <a:schemeClr val="accent1"/>
+            </a:effectRef>
+            <a:fontRef idx="minor">
+              <a:schemeClr val="tx1"/>
+            </a:fontRef>
+          </p:style>
+        </p:cxnSp>
+        <p:cxnSp>
+          <p:nvCxnSpPr>
+            <p:cNvPr id="48" name="מחבר ישר 47">
+              <a:extLst>
+                <a:ext uri="{FF2B5EF4-FFF2-40B4-BE49-F238E27FC236}">
+                  <a16:creationId xmlns:a16="http://schemas.microsoft.com/office/drawing/2014/main" id="{9207E391-35F4-4713-B756-0B79CF98C4A9}"/>
+                </a:ext>
+              </a:extLst>
+            </p:cNvPr>
+            <p:cNvCxnSpPr>
+              <a:cxnSpLocks/>
+            </p:cNvCxnSpPr>
+            <p:nvPr/>
+          </p:nvCxnSpPr>
+          <p:spPr>
+            <a:xfrm flipH="1" flipV="1">
+              <a:off x="4708157" y="2809335"/>
+              <a:ext cx="810463" cy="800640"/>
+            </a:xfrm>
+            <a:prstGeom prst="line">
+              <a:avLst/>
+            </a:prstGeom>
+            <a:grpFill/>
+            <a:ln w="203200">
+              <a:solidFill>
+                <a:schemeClr val="tx1"/>
+              </a:solidFill>
+            </a:ln>
+          </p:spPr>
+          <p:style>
+            <a:lnRef idx="1">
+              <a:schemeClr val="accent1"/>
+            </a:lnRef>
+            <a:fillRef idx="0">
+              <a:schemeClr val="accent1"/>
+            </a:fillRef>
+            <a:effectRef idx="0">
+              <a:schemeClr val="accent1"/>
+            </a:effectRef>
+            <a:fontRef idx="minor">
+              <a:schemeClr val="tx1"/>
+            </a:fontRef>
+          </p:style>
+        </p:cxnSp>
+      </p:grpSp>
+      <p:grpSp>
+        <p:nvGrpSpPr>
+          <p:cNvPr id="4" name="קבוצה 3">
+            <a:extLst>
+              <a:ext uri="{FF2B5EF4-FFF2-40B4-BE49-F238E27FC236}">
+                <a16:creationId xmlns:a16="http://schemas.microsoft.com/office/drawing/2014/main" id="{5BF02201-F08A-4CA7-B9B5-416791A384F9}"/>
+              </a:ext>
+            </a:extLst>
+          </p:cNvPr>
+          <p:cNvGrpSpPr/>
+          <p:nvPr/>
+        </p:nvGrpSpPr>
+        <p:grpSpPr>
+          <a:xfrm>
+            <a:off x="4927327" y="5061348"/>
+            <a:ext cx="2156225" cy="1537567"/>
+            <a:chOff x="4927327" y="5027747"/>
+            <a:chExt cx="2156225" cy="1570778"/>
+          </a:xfrm>
+          <a:solidFill>
+            <a:schemeClr val="bg1"/>
+          </a:solidFill>
+        </p:grpSpPr>
+        <p:sp>
+          <p:nvSpPr>
+            <p:cNvPr id="3" name="פס אלכסוני 2">
+              <a:extLst>
+                <a:ext uri="{FF2B5EF4-FFF2-40B4-BE49-F238E27FC236}">
+                  <a16:creationId xmlns:a16="http://schemas.microsoft.com/office/drawing/2014/main" id="{64A6AEB4-8CED-490C-9B3B-97D199186D30}"/>
+                </a:ext>
+              </a:extLst>
+            </p:cNvPr>
+            <p:cNvSpPr/>
+            <p:nvPr/>
+          </p:nvSpPr>
+          <p:spPr>
+            <a:xfrm>
+              <a:off x="6096000" y="5156821"/>
+              <a:ext cx="987552" cy="1441704"/>
+            </a:xfrm>
+            <a:prstGeom prst="diagStripe">
+              <a:avLst/>
+            </a:prstGeom>
+            <a:grpFill/>
+            <a:ln>
+              <a:solidFill>
+                <a:schemeClr val="bg1"/>
+              </a:solidFill>
+            </a:ln>
+          </p:spPr>
+          <p:style>
+            <a:lnRef idx="2">
+              <a:schemeClr val="accent1">
+                <a:shade val="50000"/>
+              </a:schemeClr>
+            </a:lnRef>
+            <a:fillRef idx="1">
+              <a:schemeClr val="accent1"/>
+            </a:fillRef>
+            <a:effectRef idx="0">
+              <a:schemeClr val="accent1"/>
+            </a:effectRef>
+            <a:fontRef idx="minor">
+              <a:schemeClr val="lt1"/>
+            </a:fontRef>
+          </p:style>
+          <p:txBody>
+            <a:bodyPr rtlCol="0" anchor="ctr"/>
+            <a:lstStyle/>
+            <a:p>
+              <a:pPr algn="ctr"/>
+              <a:endParaRPr lang="en-US">
+                <a:solidFill>
+                  <a:schemeClr val="tx1"/>
+                </a:solidFill>
+              </a:endParaRPr>
+            </a:p>
+          </p:txBody>
+        </p:sp>
+        <p:sp>
+          <p:nvSpPr>
+            <p:cNvPr id="14" name="פס אלכסוני 13">
+              <a:extLst>
+                <a:ext uri="{FF2B5EF4-FFF2-40B4-BE49-F238E27FC236}">
+                  <a16:creationId xmlns:a16="http://schemas.microsoft.com/office/drawing/2014/main" id="{5CA0B1F5-FFD3-4D06-A1AE-1000B118CE68}"/>
+                </a:ext>
+              </a:extLst>
+            </p:cNvPr>
+            <p:cNvSpPr/>
+            <p:nvPr/>
+          </p:nvSpPr>
+          <p:spPr>
+            <a:xfrm flipH="1">
+              <a:off x="5017008" y="5379687"/>
+              <a:ext cx="444659" cy="893097"/>
+            </a:xfrm>
+            <a:prstGeom prst="diagStripe">
+              <a:avLst/>
+            </a:prstGeom>
+            <a:grpFill/>
+            <a:ln>
+              <a:solidFill>
+                <a:schemeClr val="bg1"/>
+              </a:solidFill>
+            </a:ln>
+          </p:spPr>
+          <p:style>
+            <a:lnRef idx="2">
+              <a:schemeClr val="accent1">
+                <a:shade val="50000"/>
+              </a:schemeClr>
+            </a:lnRef>
+            <a:fillRef idx="1">
+              <a:schemeClr val="accent1"/>
+            </a:fillRef>
+            <a:effectRef idx="0">
+              <a:schemeClr val="accent1"/>
+            </a:effectRef>
+            <a:fontRef idx="minor">
+              <a:schemeClr val="lt1"/>
+            </a:fontRef>
+          </p:style>
+          <p:txBody>
+            <a:bodyPr rtlCol="0" anchor="ctr"/>
+            <a:lstStyle/>
+            <a:p>
+              <a:pPr algn="ctr"/>
+              <a:endParaRPr lang="en-US">
+                <a:solidFill>
+                  <a:schemeClr val="tx1"/>
+                </a:solidFill>
+              </a:endParaRPr>
+            </a:p>
+          </p:txBody>
+        </p:sp>
+        <p:sp>
+          <p:nvSpPr>
+            <p:cNvPr id="16" name="פס אלכסוני 15">
+              <a:extLst>
+                <a:ext uri="{FF2B5EF4-FFF2-40B4-BE49-F238E27FC236}">
+                  <a16:creationId xmlns:a16="http://schemas.microsoft.com/office/drawing/2014/main" id="{EA2EB9DD-8566-4000-8EF1-6CC342DA5B2D}"/>
+                </a:ext>
+              </a:extLst>
+            </p:cNvPr>
+            <p:cNvSpPr/>
+            <p:nvPr/>
+          </p:nvSpPr>
+          <p:spPr>
+            <a:xfrm rot="11859089" flipH="1">
+              <a:off x="4927327" y="5027747"/>
+              <a:ext cx="444659" cy="893097"/>
+            </a:xfrm>
+            <a:prstGeom prst="diagStripe">
+              <a:avLst/>
+            </a:prstGeom>
+            <a:grpFill/>
+            <a:ln>
+              <a:solidFill>
+                <a:schemeClr val="bg1"/>
+              </a:solidFill>
+            </a:ln>
+          </p:spPr>
+          <p:style>
+            <a:lnRef idx="2">
+              <a:schemeClr val="accent1">
+                <a:shade val="50000"/>
+              </a:schemeClr>
+            </a:lnRef>
+            <a:fillRef idx="1">
+              <a:schemeClr val="accent1"/>
+            </a:fillRef>
+            <a:effectRef idx="0">
+              <a:schemeClr val="accent1"/>
+            </a:effectRef>
+            <a:fontRef idx="minor">
+              <a:schemeClr val="lt1"/>
+            </a:fontRef>
+          </p:style>
+          <p:txBody>
+            <a:bodyPr rtlCol="0" anchor="ctr"/>
+            <a:lstStyle/>
+            <a:p>
+              <a:pPr algn="ctr"/>
+              <a:endParaRPr lang="en-US">
+                <a:solidFill>
+                  <a:schemeClr val="tx1"/>
+                </a:solidFill>
+              </a:endParaRPr>
+            </a:p>
+          </p:txBody>
+        </p:sp>
+        <p:sp>
+          <p:nvSpPr>
+            <p:cNvPr id="18" name="פס אלכסוני 17">
+              <a:extLst>
+                <a:ext uri="{FF2B5EF4-FFF2-40B4-BE49-F238E27FC236}">
+                  <a16:creationId xmlns:a16="http://schemas.microsoft.com/office/drawing/2014/main" id="{86EFC0F4-ECD2-47D4-BCA9-750D26339286}"/>
+                </a:ext>
+              </a:extLst>
+            </p:cNvPr>
+            <p:cNvSpPr/>
+            <p:nvPr/>
+          </p:nvSpPr>
+          <p:spPr>
+            <a:xfrm rot="10800000" flipH="1">
+              <a:off x="5153267" y="5247819"/>
+              <a:ext cx="688809" cy="893096"/>
+            </a:xfrm>
+            <a:prstGeom prst="diagStripe">
+              <a:avLst/>
+            </a:prstGeom>
+            <a:grpFill/>
+            <a:ln>
+              <a:solidFill>
+                <a:schemeClr val="bg1"/>
+              </a:solidFill>
+            </a:ln>
+          </p:spPr>
+          <p:style>
+            <a:lnRef idx="2">
+              <a:schemeClr val="accent1">
+                <a:shade val="50000"/>
+              </a:schemeClr>
+            </a:lnRef>
+            <a:fillRef idx="1">
+              <a:schemeClr val="accent1"/>
+            </a:fillRef>
+            <a:effectRef idx="0">
+              <a:schemeClr val="accent1"/>
+            </a:effectRef>
+            <a:fontRef idx="minor">
+              <a:schemeClr val="lt1"/>
+            </a:fontRef>
+          </p:style>
+          <p:txBody>
+            <a:bodyPr rtlCol="0" anchor="ctr"/>
+            <a:lstStyle/>
+            <a:p>
+              <a:pPr algn="ctr"/>
+              <a:endParaRPr lang="en-US">
+                <a:solidFill>
+                  <a:schemeClr val="tx1"/>
+                </a:solidFill>
+              </a:endParaRPr>
+            </a:p>
+          </p:txBody>
+        </p:sp>
+      </p:grpSp>
+      <p:sp>
+        <p:nvSpPr>
+          <p:cNvPr id="6" name="מלבן 5">
+            <a:extLst>
+              <a:ext uri="{FF2B5EF4-FFF2-40B4-BE49-F238E27FC236}">
+                <a16:creationId xmlns:a16="http://schemas.microsoft.com/office/drawing/2014/main" id="{12E435A7-0AE3-4B5D-87ED-244F983E6FB2}"/>
+              </a:ext>
+            </a:extLst>
+          </p:cNvPr>
+          <p:cNvSpPr/>
+          <p:nvPr/>
+        </p:nvSpPr>
+        <p:spPr>
+          <a:xfrm>
+            <a:off x="2440686" y="4637256"/>
+            <a:ext cx="6914388" cy="1785104"/>
+          </a:xfrm>
+          <a:prstGeom prst="rect">
+            <a:avLst/>
+          </a:prstGeom>
+          <a:noFill/>
+          <a:ln>
+            <a:noFill/>
+          </a:ln>
+        </p:spPr>
+        <p:txBody>
+          <a:bodyPr wrap="square" lIns="91440" tIns="45720" rIns="91440" bIns="45720">
+            <a:spAutoFit/>
+          </a:bodyPr>
+          <a:lstStyle/>
+          <a:p>
+            <a:pPr algn="ctr"/>
+            <a:r>
+              <a:rPr lang="en-US" sz="11000" b="1" i="1" cap="none" spc="0" dirty="0">
+                <a:ln w="57150">
+                  <a:solidFill>
+                    <a:schemeClr val="tx1"/>
+                  </a:solidFill>
+                  <a:prstDash val="solid"/>
+                </a:ln>
+                <a:solidFill>
+                  <a:srgbClr val="2E8B57"/>
+                </a:solidFill>
+                <a:effectLst>
+                  <a:outerShdw blurRad="38100" dist="22860" dir="5400000" algn="tl" rotWithShape="0">
+                    <a:srgbClr val="000000">
+                      <a:alpha val="30000"/>
+                    </a:srgbClr>
+                  </a:outerShdw>
+                </a:effectLst>
+                <a:latin typeface="Tahoma" panose="020B0604030504040204" pitchFamily="34" charset="0"/>
+                <a:ea typeface="Tahoma" panose="020B0604030504040204" pitchFamily="34" charset="0"/>
+                <a:cs typeface="Tahoma" panose="020B0604030504040204" pitchFamily="34" charset="0"/>
+              </a:rPr>
+              <a:t>G</a:t>
+            </a:r>
+            <a:r>
+              <a:rPr lang="en-US" sz="9000" b="1" i="1" dirty="0">
+                <a:ln w="57150">
+                  <a:solidFill>
+                    <a:schemeClr val="tx1"/>
+                  </a:solidFill>
+                  <a:prstDash val="solid"/>
+                </a:ln>
+                <a:solidFill>
+                  <a:srgbClr val="2E8B57"/>
+                </a:solidFill>
+                <a:effectLst>
+                  <a:outerShdw blurRad="38100" dist="22860" dir="5400000" algn="tl" rotWithShape="0">
+                    <a:srgbClr val="000000">
+                      <a:alpha val="30000"/>
+                    </a:srgbClr>
+                  </a:outerShdw>
+                </a:effectLst>
+                <a:latin typeface="Tahoma" panose="020B0604030504040204" pitchFamily="34" charset="0"/>
+                <a:ea typeface="Tahoma" panose="020B0604030504040204" pitchFamily="34" charset="0"/>
+                <a:cs typeface="Tahoma" panose="020B0604030504040204" pitchFamily="34" charset="0"/>
+              </a:rPr>
+              <a:t>o</a:t>
+            </a:r>
+            <a:r>
+              <a:rPr lang="en-US" sz="11000" b="1" i="1" dirty="0">
+                <a:ln w="57150">
+                  <a:solidFill>
+                    <a:schemeClr val="tx1"/>
+                  </a:solidFill>
+                  <a:prstDash val="solid"/>
+                </a:ln>
+                <a:solidFill>
+                  <a:srgbClr val="2E8B57"/>
+                </a:solidFill>
+                <a:effectLst>
+                  <a:outerShdw blurRad="38100" dist="22860" dir="5400000" algn="tl" rotWithShape="0">
+                    <a:srgbClr val="000000">
+                      <a:alpha val="30000"/>
+                    </a:srgbClr>
+                  </a:outerShdw>
+                </a:effectLst>
+                <a:latin typeface="Tahoma" panose="020B0604030504040204" pitchFamily="34" charset="0"/>
+                <a:ea typeface="Tahoma" panose="020B0604030504040204" pitchFamily="34" charset="0"/>
+                <a:cs typeface="Tahoma" panose="020B0604030504040204" pitchFamily="34" charset="0"/>
+              </a:rPr>
+              <a:t>N</a:t>
+            </a:r>
+            <a:r>
+              <a:rPr lang="en-US" sz="9000" b="1" i="1" dirty="0">
+                <a:ln w="57150">
+                  <a:solidFill>
+                    <a:schemeClr val="tx1"/>
+                  </a:solidFill>
+                  <a:prstDash val="solid"/>
+                </a:ln>
+                <a:solidFill>
+                  <a:srgbClr val="2E8B57"/>
+                </a:solidFill>
+                <a:effectLst>
+                  <a:outerShdw blurRad="38100" dist="22860" dir="5400000" algn="tl" rotWithShape="0">
+                    <a:srgbClr val="000000">
+                      <a:alpha val="30000"/>
+                    </a:srgbClr>
+                  </a:outerShdw>
+                </a:effectLst>
+                <a:latin typeface="Tahoma" panose="020B0604030504040204" pitchFamily="34" charset="0"/>
+                <a:ea typeface="Tahoma" panose="020B0604030504040204" pitchFamily="34" charset="0"/>
+                <a:cs typeface="Tahoma" panose="020B0604030504040204" pitchFamily="34" charset="0"/>
+              </a:rPr>
+              <a:t>ature</a:t>
+            </a:r>
+            <a:endParaRPr lang="he-IL" sz="9000" b="1" i="1" cap="none" spc="0" dirty="0">
+              <a:ln w="57150">
+                <a:solidFill>
+                  <a:schemeClr val="tx1"/>
+                </a:solidFill>
+                <a:prstDash val="solid"/>
+              </a:ln>
+              <a:solidFill>
+                <a:srgbClr val="2E8B57"/>
+              </a:solidFill>
+              <a:effectLst>
+                <a:outerShdw blurRad="38100" dist="22860" dir="5400000" algn="tl" rotWithShape="0">
+                  <a:srgbClr val="000000">
+                    <a:alpha val="30000"/>
+                  </a:srgbClr>
+                </a:outerShdw>
+              </a:effectLst>
+              <a:latin typeface="Tahoma" panose="020B0604030504040204" pitchFamily="34" charset="0"/>
+              <a:ea typeface="Tahoma" panose="020B0604030504040204" pitchFamily="34" charset="0"/>
+              <a:cs typeface="Tahoma" panose="020B0604030504040204" pitchFamily="34" charset="0"/>
+            </a:endParaRPr>
+          </a:p>
+        </p:txBody>
+      </p:sp>
+    </p:spTree>
+    <p:extLst>
+      <p:ext uri="{BB962C8B-B14F-4D97-AF65-F5344CB8AC3E}">
+        <p14:creationId xmlns:p14="http://schemas.microsoft.com/office/powerpoint/2010/main" val="927661037"/>
+      </p:ext>
+    </p:extLst>
+  </p:cSld>
+  <p:clrMapOvr>
+    <a:masterClrMapping/>
+  </p:clrMapOvr>
+</p:sld>
+</file>
+
 <file path=ppt/theme/theme1.xml><?xml version="1.0" encoding="utf-8"?>
 <a:theme xmlns:a="http://schemas.openxmlformats.org/drawingml/2006/main" name="ערכת נושא Office">
   <a:themeElements>
